--- a/Presentaties/Presentatie1.pptx
+++ b/Presentaties/Presentatie1.pptx
@@ -6,11 +6,13 @@
   </p:sldMasterIdLst>
   <p:sldIdLst>
     <p:sldId id="256" r:id="rId2"/>
-    <p:sldId id="257" r:id="rId3"/>
-    <p:sldId id="258" r:id="rId4"/>
-    <p:sldId id="260" r:id="rId5"/>
+    <p:sldId id="262" r:id="rId3"/>
+    <p:sldId id="257" r:id="rId4"/>
+    <p:sldId id="258" r:id="rId5"/>
     <p:sldId id="261" r:id="rId6"/>
-    <p:sldId id="259" r:id="rId7"/>
+    <p:sldId id="263" r:id="rId7"/>
+    <p:sldId id="259" r:id="rId8"/>
+    <p:sldId id="264" r:id="rId9"/>
   </p:sldIdLst>
   <p:sldSz cx="12192000" cy="6858000"/>
   <p:notesSz cx="6858000" cy="9144000"/>
@@ -109,6 +111,11 @@
       </a:defRPr>
     </a:lvl9pPr>
   </p:defaultTextStyle>
+  <p:extLst>
+    <p:ext uri="{EFAFB233-063F-42B5-8137-9DF3F51BA10A}">
+      <p15:sldGuideLst xmlns:p15="http://schemas.microsoft.com/office/powerpoint/2012/main"/>
+    </p:ext>
+  </p:extLst>
 </p:presentation>
 </file>
 
@@ -259,7 +266,7 @@
           <a:p>
             <a:fld id="{E92B3C40-B484-0D46-853A-9C0741DAF408}" type="datetimeFigureOut">
               <a:rPr lang="nl-NL" smtClean="0"/>
-              <a:t>12-04-18</a:t>
+              <a:t>12-4-2018</a:t>
             </a:fld>
             <a:endParaRPr lang="nl-NL"/>
           </a:p>
@@ -313,7 +320,7 @@
           <a:p>
             <a:fld id="{AB3BB265-F72C-1B49-9C1B-7F56930A25E3}" type="slidenum">
               <a:rPr lang="nl-NL" smtClean="0"/>
-              <a:t>‹nr.›</a:t>
+              <a:t>‹#›</a:t>
             </a:fld>
             <a:endParaRPr lang="nl-NL"/>
           </a:p>
@@ -457,7 +464,7 @@
           <a:p>
             <a:fld id="{E92B3C40-B484-0D46-853A-9C0741DAF408}" type="datetimeFigureOut">
               <a:rPr lang="nl-NL" smtClean="0"/>
-              <a:t>12-04-18</a:t>
+              <a:t>12-4-2018</a:t>
             </a:fld>
             <a:endParaRPr lang="nl-NL"/>
           </a:p>
@@ -511,7 +518,7 @@
           <a:p>
             <a:fld id="{AB3BB265-F72C-1B49-9C1B-7F56930A25E3}" type="slidenum">
               <a:rPr lang="nl-NL" smtClean="0"/>
-              <a:t>‹nr.›</a:t>
+              <a:t>‹#›</a:t>
             </a:fld>
             <a:endParaRPr lang="nl-NL"/>
           </a:p>
@@ -665,7 +672,7 @@
           <a:p>
             <a:fld id="{E92B3C40-B484-0D46-853A-9C0741DAF408}" type="datetimeFigureOut">
               <a:rPr lang="nl-NL" smtClean="0"/>
-              <a:t>12-04-18</a:t>
+              <a:t>12-4-2018</a:t>
             </a:fld>
             <a:endParaRPr lang="nl-NL"/>
           </a:p>
@@ -719,7 +726,7 @@
           <a:p>
             <a:fld id="{AB3BB265-F72C-1B49-9C1B-7F56930A25E3}" type="slidenum">
               <a:rPr lang="nl-NL" smtClean="0"/>
-              <a:t>‹nr.›</a:t>
+              <a:t>‹#›</a:t>
             </a:fld>
             <a:endParaRPr lang="nl-NL"/>
           </a:p>
@@ -863,7 +870,7 @@
           <a:p>
             <a:fld id="{E92B3C40-B484-0D46-853A-9C0741DAF408}" type="datetimeFigureOut">
               <a:rPr lang="nl-NL" smtClean="0"/>
-              <a:t>12-04-18</a:t>
+              <a:t>12-4-2018</a:t>
             </a:fld>
             <a:endParaRPr lang="nl-NL"/>
           </a:p>
@@ -917,7 +924,7 @@
           <a:p>
             <a:fld id="{AB3BB265-F72C-1B49-9C1B-7F56930A25E3}" type="slidenum">
               <a:rPr lang="nl-NL" smtClean="0"/>
-              <a:t>‹nr.›</a:t>
+              <a:t>‹#›</a:t>
             </a:fld>
             <a:endParaRPr lang="nl-NL"/>
           </a:p>
@@ -1138,7 +1145,7 @@
           <a:p>
             <a:fld id="{E92B3C40-B484-0D46-853A-9C0741DAF408}" type="datetimeFigureOut">
               <a:rPr lang="nl-NL" smtClean="0"/>
-              <a:t>12-04-18</a:t>
+              <a:t>12-4-2018</a:t>
             </a:fld>
             <a:endParaRPr lang="nl-NL"/>
           </a:p>
@@ -1192,7 +1199,7 @@
           <a:p>
             <a:fld id="{AB3BB265-F72C-1B49-9C1B-7F56930A25E3}" type="slidenum">
               <a:rPr lang="nl-NL" smtClean="0"/>
-              <a:t>‹nr.›</a:t>
+              <a:t>‹#›</a:t>
             </a:fld>
             <a:endParaRPr lang="nl-NL"/>
           </a:p>
@@ -1403,7 +1410,7 @@
           <a:p>
             <a:fld id="{E92B3C40-B484-0D46-853A-9C0741DAF408}" type="datetimeFigureOut">
               <a:rPr lang="nl-NL" smtClean="0"/>
-              <a:t>12-04-18</a:t>
+              <a:t>12-4-2018</a:t>
             </a:fld>
             <a:endParaRPr lang="nl-NL"/>
           </a:p>
@@ -1457,7 +1464,7 @@
           <a:p>
             <a:fld id="{AB3BB265-F72C-1B49-9C1B-7F56930A25E3}" type="slidenum">
               <a:rPr lang="nl-NL" smtClean="0"/>
-              <a:t>‹nr.›</a:t>
+              <a:t>‹#›</a:t>
             </a:fld>
             <a:endParaRPr lang="nl-NL"/>
           </a:p>
@@ -1815,7 +1822,7 @@
           <a:p>
             <a:fld id="{E92B3C40-B484-0D46-853A-9C0741DAF408}" type="datetimeFigureOut">
               <a:rPr lang="nl-NL" smtClean="0"/>
-              <a:t>12-04-18</a:t>
+              <a:t>12-4-2018</a:t>
             </a:fld>
             <a:endParaRPr lang="nl-NL"/>
           </a:p>
@@ -1869,7 +1876,7 @@
           <a:p>
             <a:fld id="{AB3BB265-F72C-1B49-9C1B-7F56930A25E3}" type="slidenum">
               <a:rPr lang="nl-NL" smtClean="0"/>
-              <a:t>‹nr.›</a:t>
+              <a:t>‹#›</a:t>
             </a:fld>
             <a:endParaRPr lang="nl-NL"/>
           </a:p>
@@ -1956,7 +1963,7 @@
           <a:p>
             <a:fld id="{E92B3C40-B484-0D46-853A-9C0741DAF408}" type="datetimeFigureOut">
               <a:rPr lang="nl-NL" smtClean="0"/>
-              <a:t>12-04-18</a:t>
+              <a:t>12-4-2018</a:t>
             </a:fld>
             <a:endParaRPr lang="nl-NL"/>
           </a:p>
@@ -2010,7 +2017,7 @@
           <a:p>
             <a:fld id="{AB3BB265-F72C-1B49-9C1B-7F56930A25E3}" type="slidenum">
               <a:rPr lang="nl-NL" smtClean="0"/>
-              <a:t>‹nr.›</a:t>
+              <a:t>‹#›</a:t>
             </a:fld>
             <a:endParaRPr lang="nl-NL"/>
           </a:p>
@@ -2069,7 +2076,7 @@
           <a:p>
             <a:fld id="{E92B3C40-B484-0D46-853A-9C0741DAF408}" type="datetimeFigureOut">
               <a:rPr lang="nl-NL" smtClean="0"/>
-              <a:t>12-04-18</a:t>
+              <a:t>12-4-2018</a:t>
             </a:fld>
             <a:endParaRPr lang="nl-NL"/>
           </a:p>
@@ -2123,7 +2130,7 @@
           <a:p>
             <a:fld id="{AB3BB265-F72C-1B49-9C1B-7F56930A25E3}" type="slidenum">
               <a:rPr lang="nl-NL" smtClean="0"/>
-              <a:t>‹nr.›</a:t>
+              <a:t>‹#›</a:t>
             </a:fld>
             <a:endParaRPr lang="nl-NL"/>
           </a:p>
@@ -2380,7 +2387,7 @@
           <a:p>
             <a:fld id="{E92B3C40-B484-0D46-853A-9C0741DAF408}" type="datetimeFigureOut">
               <a:rPr lang="nl-NL" smtClean="0"/>
-              <a:t>12-04-18</a:t>
+              <a:t>12-4-2018</a:t>
             </a:fld>
             <a:endParaRPr lang="nl-NL"/>
           </a:p>
@@ -2434,7 +2441,7 @@
           <a:p>
             <a:fld id="{AB3BB265-F72C-1B49-9C1B-7F56930A25E3}" type="slidenum">
               <a:rPr lang="nl-NL" smtClean="0"/>
-              <a:t>‹nr.›</a:t>
+              <a:t>‹#›</a:t>
             </a:fld>
             <a:endParaRPr lang="nl-NL"/>
           </a:p>
@@ -2668,7 +2675,7 @@
           <a:p>
             <a:fld id="{E92B3C40-B484-0D46-853A-9C0741DAF408}" type="datetimeFigureOut">
               <a:rPr lang="nl-NL" smtClean="0"/>
-              <a:t>12-04-18</a:t>
+              <a:t>12-4-2018</a:t>
             </a:fld>
             <a:endParaRPr lang="nl-NL"/>
           </a:p>
@@ -2722,7 +2729,7 @@
           <a:p>
             <a:fld id="{AB3BB265-F72C-1B49-9C1B-7F56930A25E3}" type="slidenum">
               <a:rPr lang="nl-NL" smtClean="0"/>
-              <a:t>‹nr.›</a:t>
+              <a:t>‹#›</a:t>
             </a:fld>
             <a:endParaRPr lang="nl-NL"/>
           </a:p>
@@ -2918,7 +2925,7 @@
           <a:p>
             <a:fld id="{E92B3C40-B484-0D46-853A-9C0741DAF408}" type="datetimeFigureOut">
               <a:rPr lang="nl-NL" smtClean="0"/>
-              <a:t>12-04-18</a:t>
+              <a:t>12-4-2018</a:t>
             </a:fld>
             <a:endParaRPr lang="nl-NL"/>
           </a:p>
@@ -3008,7 +3015,7 @@
           <a:p>
             <a:fld id="{AB3BB265-F72C-1B49-9C1B-7F56930A25E3}" type="slidenum">
               <a:rPr lang="nl-NL" smtClean="0"/>
-              <a:t>‹nr.›</a:t>
+              <a:t>‹#›</a:t>
             </a:fld>
             <a:endParaRPr lang="nl-NL"/>
           </a:p>
@@ -3447,10 +3454,10 @@
       </p:grpSpPr>
       <p:sp>
         <p:nvSpPr>
-          <p:cNvPr id="2" name="Titel 1">
-            <a:extLst>
-              <a:ext uri="{FF2B5EF4-FFF2-40B4-BE49-F238E27FC236}">
-                <a16:creationId xmlns:a16="http://schemas.microsoft.com/office/drawing/2014/main" id="{15AC38BE-6371-5B40-AB1E-D72AC1260690}"/>
+          <p:cNvPr id="2" name="Title 1">
+            <a:extLst>
+              <a:ext uri="{FF2B5EF4-FFF2-40B4-BE49-F238E27FC236}">
+                <a16:creationId xmlns:a16="http://schemas.microsoft.com/office/drawing/2014/main" id="{6F46BC8F-872F-411E-B14F-9C8F7371B467}"/>
               </a:ext>
             </a:extLst>
           </p:cNvPr>
@@ -3467,19 +3474,27 @@
           <a:lstStyle/>
           <a:p>
             <a:r>
-              <a:rPr lang="nl-NL" dirty="0" err="1"/>
-              <a:t>RailNL</a:t>
-            </a:r>
-            <a:endParaRPr lang="nl-NL" dirty="0"/>
-          </a:p>
-        </p:txBody>
-      </p:sp>
-      <p:sp>
-        <p:nvSpPr>
-          <p:cNvPr id="3" name="Tijdelijke aanduiding voor inhoud 2">
-            <a:extLst>
-              <a:ext uri="{FF2B5EF4-FFF2-40B4-BE49-F238E27FC236}">
-                <a16:creationId xmlns:a16="http://schemas.microsoft.com/office/drawing/2014/main" id="{FD2C7671-1691-3441-BB2D-964238BA890B}"/>
+              <a:rPr lang="en-GB" dirty="0" err="1">
+                <a:solidFill>
+                  <a:srgbClr val="003373"/>
+                </a:solidFill>
+              </a:rPr>
+              <a:t>Inleiding</a:t>
+            </a:r>
+            <a:endParaRPr lang="en-NL" dirty="0">
+              <a:solidFill>
+                <a:srgbClr val="003373"/>
+              </a:solidFill>
+            </a:endParaRPr>
+          </a:p>
+        </p:txBody>
+      </p:sp>
+      <p:sp>
+        <p:nvSpPr>
+          <p:cNvPr id="3" name="Content Placeholder 2">
+            <a:extLst>
+              <a:ext uri="{FF2B5EF4-FFF2-40B4-BE49-F238E27FC236}">
+                <a16:creationId xmlns:a16="http://schemas.microsoft.com/office/drawing/2014/main" id="{850F76C0-4F01-4290-88B0-906F17346636}"/>
               </a:ext>
             </a:extLst>
           </p:cNvPr>
@@ -3496,56 +3511,83 @@
           <a:lstStyle/>
           <a:p>
             <a:r>
-              <a:rPr lang="nl-NL" dirty="0"/>
-              <a:t>Dienstregeling NS:</a:t>
-            </a:r>
-          </a:p>
-          <a:p>
-            <a:pPr lvl="1"/>
-            <a:r>
-              <a:rPr lang="nl-NL" dirty="0"/>
-              <a:t>Lijnvoering</a:t>
-            </a:r>
-          </a:p>
-          <a:p>
-            <a:pPr lvl="1"/>
-            <a:r>
-              <a:rPr lang="nl-NL" dirty="0"/>
-              <a:t>Dienstregeling</a:t>
-            </a:r>
-          </a:p>
-          <a:p>
-            <a:pPr lvl="1"/>
-            <a:r>
-              <a:rPr lang="nl-NL" dirty="0"/>
-              <a:t>Materieelrooster</a:t>
-            </a:r>
-          </a:p>
-          <a:p>
-            <a:pPr lvl="1"/>
-            <a:r>
-              <a:rPr lang="nl-NL" dirty="0"/>
-              <a:t>Personeelsrooster</a:t>
-            </a:r>
-          </a:p>
-          <a:p>
-            <a:r>
-              <a:rPr lang="nl-NL" dirty="0"/>
-              <a:t>Deze case alleen over eerste deel</a:t>
-            </a:r>
-          </a:p>
-          <a:p>
-            <a:pPr marL="457200" lvl="1" indent="0">
-              <a:buNone/>
-            </a:pPr>
-            <a:endParaRPr lang="nl-NL" dirty="0"/>
+              <a:rPr lang="en-GB" dirty="0">
+                <a:solidFill>
+                  <a:srgbClr val="003373"/>
+                </a:solidFill>
+              </a:rPr>
+              <a:t>Context</a:t>
+            </a:r>
+          </a:p>
+          <a:p>
+            <a:r>
+              <a:rPr lang="en-GB" dirty="0" err="1">
+                <a:solidFill>
+                  <a:srgbClr val="003373"/>
+                </a:solidFill>
+              </a:rPr>
+              <a:t>Noordholland</a:t>
+            </a:r>
+            <a:endParaRPr lang="en-GB" dirty="0">
+              <a:solidFill>
+                <a:srgbClr val="003373"/>
+              </a:solidFill>
+            </a:endParaRPr>
+          </a:p>
+          <a:p>
+            <a:r>
+              <a:rPr lang="en-GB" dirty="0" err="1">
+                <a:solidFill>
+                  <a:srgbClr val="003373"/>
+                </a:solidFill>
+              </a:rPr>
+              <a:t>Visualisatie</a:t>
+            </a:r>
+            <a:r>
+              <a:rPr lang="en-GB" dirty="0">
+                <a:solidFill>
+                  <a:srgbClr val="003373"/>
+                </a:solidFill>
+              </a:rPr>
+              <a:t> Holland</a:t>
+            </a:r>
+          </a:p>
+          <a:p>
+            <a:r>
+              <a:rPr lang="en-GB" dirty="0" err="1">
+                <a:solidFill>
+                  <a:srgbClr val="003373"/>
+                </a:solidFill>
+              </a:rPr>
+              <a:t>Scorefunctie</a:t>
+            </a:r>
+            <a:endParaRPr lang="en-GB" dirty="0">
+              <a:solidFill>
+                <a:srgbClr val="003373"/>
+              </a:solidFill>
+            </a:endParaRPr>
+          </a:p>
+          <a:p>
+            <a:r>
+              <a:rPr lang="en-GB" dirty="0" err="1">
+                <a:solidFill>
+                  <a:srgbClr val="003373"/>
+                </a:solidFill>
+              </a:rPr>
+              <a:t>Datastructuur</a:t>
+            </a:r>
+            <a:endParaRPr lang="en-NL" dirty="0">
+              <a:solidFill>
+                <a:srgbClr val="003373"/>
+              </a:solidFill>
+            </a:endParaRPr>
           </a:p>
         </p:txBody>
       </p:sp>
     </p:spTree>
     <p:extLst>
       <p:ext uri="{BB962C8B-B14F-4D97-AF65-F5344CB8AC3E}">
-        <p14:creationId xmlns:p14="http://schemas.microsoft.com/office/powerpoint/2010/main" val="2276716376"/>
+        <p14:creationId xmlns:p14="http://schemas.microsoft.com/office/powerpoint/2010/main" val="2830039909"/>
       </p:ext>
     </p:extLst>
   </p:cSld>
@@ -3577,7 +3619,7 @@
           <p:cNvPr id="2" name="Titel 1">
             <a:extLst>
               <a:ext uri="{FF2B5EF4-FFF2-40B4-BE49-F238E27FC236}">
-                <a16:creationId xmlns:a16="http://schemas.microsoft.com/office/drawing/2014/main" id="{53F26A96-00BF-0244-84F6-CCD528F6DD04}"/>
+                <a16:creationId xmlns:a16="http://schemas.microsoft.com/office/drawing/2014/main" id="{15AC38BE-6371-5B40-AB1E-D72AC1260690}"/>
               </a:ext>
             </a:extLst>
           </p:cNvPr>
@@ -3594,9 +3636,18 @@
           <a:lstStyle/>
           <a:p>
             <a:r>
-              <a:rPr lang="nl-NL" dirty="0"/>
-              <a:t>Deel 1: Noord-Holland</a:t>
-            </a:r>
+              <a:rPr lang="nl-NL" dirty="0">
+                <a:solidFill>
+                  <a:srgbClr val="003373"/>
+                </a:solidFill>
+              </a:rPr>
+              <a:t>RailNL</a:t>
+            </a:r>
+            <a:endParaRPr lang="nl-NL" dirty="0">
+              <a:solidFill>
+                <a:srgbClr val="003337"/>
+              </a:solidFill>
+            </a:endParaRPr>
           </a:p>
         </p:txBody>
       </p:sp>
@@ -3605,7 +3656,7 @@
           <p:cNvPr id="3" name="Tijdelijke aanduiding voor inhoud 2">
             <a:extLst>
               <a:ext uri="{FF2B5EF4-FFF2-40B4-BE49-F238E27FC236}">
-                <a16:creationId xmlns:a16="http://schemas.microsoft.com/office/drawing/2014/main" id="{66D393FD-CD8C-5742-9F10-6CD0CFCD5725}"/>
+                <a16:creationId xmlns:a16="http://schemas.microsoft.com/office/drawing/2014/main" id="{FD2C7671-1691-3441-BB2D-964238BA890B}"/>
               </a:ext>
             </a:extLst>
           </p:cNvPr>
@@ -3622,31 +3673,92 @@
           <a:lstStyle/>
           <a:p>
             <a:r>
-              <a:rPr lang="nl-NL" dirty="0"/>
-              <a:t>118 stations in Noord-Holland</a:t>
-            </a:r>
-          </a:p>
-          <a:p>
-            <a:r>
-              <a:rPr lang="nl-NL" dirty="0"/>
-              <a:t>22 intercity stations geselecteerd.</a:t>
-            </a:r>
-          </a:p>
-          <a:p>
-            <a:r>
-              <a:rPr lang="nl-NL" dirty="0"/>
-              <a:t>7 kritiek</a:t>
-            </a:r>
-          </a:p>
-          <a:p>
-            <a:endParaRPr lang="nl-NL" dirty="0"/>
+              <a:rPr lang="nl-NL" dirty="0">
+                <a:solidFill>
+                  <a:srgbClr val="003373"/>
+                </a:solidFill>
+              </a:rPr>
+              <a:t>Dienstregeling NS:</a:t>
+            </a:r>
+          </a:p>
+          <a:p>
+            <a:pPr lvl="1"/>
+            <a:r>
+              <a:rPr lang="nl-NL" dirty="0">
+                <a:solidFill>
+                  <a:srgbClr val="003373"/>
+                </a:solidFill>
+              </a:rPr>
+              <a:t>Lijnvoering</a:t>
+            </a:r>
+          </a:p>
+          <a:p>
+            <a:pPr lvl="1"/>
+            <a:r>
+              <a:rPr lang="nl-NL" dirty="0">
+                <a:solidFill>
+                  <a:srgbClr val="003373"/>
+                </a:solidFill>
+              </a:rPr>
+              <a:t>Dienstregeling</a:t>
+            </a:r>
+          </a:p>
+          <a:p>
+            <a:pPr lvl="1"/>
+            <a:r>
+              <a:rPr lang="nl-NL" dirty="0">
+                <a:solidFill>
+                  <a:srgbClr val="003373"/>
+                </a:solidFill>
+              </a:rPr>
+              <a:t>Materieelrooster</a:t>
+            </a:r>
+          </a:p>
+          <a:p>
+            <a:pPr lvl="1"/>
+            <a:r>
+              <a:rPr lang="nl-NL" dirty="0">
+                <a:solidFill>
+                  <a:srgbClr val="003373"/>
+                </a:solidFill>
+              </a:rPr>
+              <a:t>Personeelsrooster</a:t>
+            </a:r>
+          </a:p>
+          <a:p>
+            <a:pPr lvl="1"/>
+            <a:endParaRPr lang="nl-NL" dirty="0">
+              <a:solidFill>
+                <a:srgbClr val="003373"/>
+              </a:solidFill>
+            </a:endParaRPr>
+          </a:p>
+          <a:p>
+            <a:r>
+              <a:rPr lang="nl-NL" dirty="0">
+                <a:solidFill>
+                  <a:srgbClr val="003373"/>
+                </a:solidFill>
+              </a:rPr>
+              <a:t>Lijnvoering</a:t>
+            </a:r>
+          </a:p>
+          <a:p>
+            <a:pPr marL="457200" lvl="1" indent="0">
+              <a:buNone/>
+            </a:pPr>
+            <a:endParaRPr lang="nl-NL" dirty="0">
+              <a:solidFill>
+                <a:srgbClr val="003373"/>
+              </a:solidFill>
+            </a:endParaRPr>
           </a:p>
         </p:txBody>
       </p:sp>
     </p:spTree>
     <p:extLst>
       <p:ext uri="{BB962C8B-B14F-4D97-AF65-F5344CB8AC3E}">
-        <p14:creationId xmlns:p14="http://schemas.microsoft.com/office/powerpoint/2010/main" val="1936342419"/>
+        <p14:creationId xmlns:p14="http://schemas.microsoft.com/office/powerpoint/2010/main" val="2276716376"/>
       </p:ext>
     </p:extLst>
   </p:cSld>
@@ -3678,7 +3790,7 @@
           <p:cNvPr id="2" name="Titel 1">
             <a:extLst>
               <a:ext uri="{FF2B5EF4-FFF2-40B4-BE49-F238E27FC236}">
-                <a16:creationId xmlns:a16="http://schemas.microsoft.com/office/drawing/2014/main" id="{B308ECE0-87AE-B047-A480-C03D12640257}"/>
+                <a16:creationId xmlns:a16="http://schemas.microsoft.com/office/drawing/2014/main" id="{53F26A96-00BF-0244-84F6-CCD528F6DD04}"/>
               </a:ext>
             </a:extLst>
           </p:cNvPr>
@@ -3695,8 +3807,12 @@
           <a:lstStyle/>
           <a:p>
             <a:r>
-              <a:rPr lang="nl-NL" dirty="0"/>
-              <a:t>Visualisatie probleem</a:t>
+              <a:rPr lang="nl-NL" dirty="0">
+                <a:solidFill>
+                  <a:srgbClr val="003373"/>
+                </a:solidFill>
+              </a:rPr>
+              <a:t>Deel 1: Holland</a:t>
             </a:r>
           </a:p>
         </p:txBody>
@@ -3706,7 +3822,7 @@
           <p:cNvPr id="3" name="Tijdelijke aanduiding voor inhoud 2">
             <a:extLst>
               <a:ext uri="{FF2B5EF4-FFF2-40B4-BE49-F238E27FC236}">
-                <a16:creationId xmlns:a16="http://schemas.microsoft.com/office/drawing/2014/main" id="{0553E27F-6B83-F749-ACE4-4AFFE5C60ED9}"/>
+                <a16:creationId xmlns:a16="http://schemas.microsoft.com/office/drawing/2014/main" id="{66D393FD-CD8C-5742-9F10-6CD0CFCD5725}"/>
               </a:ext>
             </a:extLst>
           </p:cNvPr>
@@ -3722,14 +3838,65 @@
           <a:bodyPr/>
           <a:lstStyle/>
           <a:p>
-            <a:endParaRPr lang="nl-NL"/>
+            <a:r>
+              <a:rPr lang="nl-NL" dirty="0">
+                <a:solidFill>
+                  <a:srgbClr val="003373"/>
+                </a:solidFill>
+              </a:rPr>
+              <a:t>118 stations in Noord-Holland</a:t>
+            </a:r>
+          </a:p>
+          <a:p>
+            <a:r>
+              <a:rPr lang="nl-NL" dirty="0">
+                <a:solidFill>
+                  <a:srgbClr val="003373"/>
+                </a:solidFill>
+              </a:rPr>
+              <a:t>22 intercity stations geselecteerd.</a:t>
+            </a:r>
+          </a:p>
+          <a:p>
+            <a:r>
+              <a:rPr lang="nl-NL" dirty="0">
+                <a:solidFill>
+                  <a:srgbClr val="003373"/>
+                </a:solidFill>
+              </a:rPr>
+              <a:t>7 kritiek</a:t>
+            </a:r>
+          </a:p>
+          <a:p>
+            <a:endParaRPr lang="nl-NL" dirty="0">
+              <a:solidFill>
+                <a:srgbClr val="003373"/>
+              </a:solidFill>
+            </a:endParaRPr>
+          </a:p>
+          <a:p>
+            <a:endParaRPr lang="nl-NL" dirty="0">
+              <a:solidFill>
+                <a:srgbClr val="003373"/>
+              </a:solidFill>
+            </a:endParaRPr>
+          </a:p>
+          <a:p>
+            <a:r>
+              <a:rPr lang="nl-NL" dirty="0">
+                <a:solidFill>
+                  <a:srgbClr val="003373"/>
+                </a:solidFill>
+              </a:rPr>
+              <a:t>Placeholder: visualisatie</a:t>
+            </a:r>
           </a:p>
         </p:txBody>
       </p:sp>
     </p:spTree>
     <p:extLst>
       <p:ext uri="{BB962C8B-B14F-4D97-AF65-F5344CB8AC3E}">
-        <p14:creationId xmlns:p14="http://schemas.microsoft.com/office/powerpoint/2010/main" val="3055084146"/>
+        <p14:creationId xmlns:p14="http://schemas.microsoft.com/office/powerpoint/2010/main" val="1936342419"/>
       </p:ext>
     </p:extLst>
   </p:cSld>
@@ -3778,8 +3945,12 @@
           <a:lstStyle/>
           <a:p>
             <a:r>
-              <a:rPr lang="nl-NL" dirty="0"/>
-              <a:t>Scorefunctie </a:t>
+              <a:rPr lang="nl-NL" dirty="0">
+                <a:solidFill>
+                  <a:srgbClr val="003373"/>
+                </a:solidFill>
+              </a:rPr>
+              <a:t>Scorefunctie</a:t>
             </a:r>
           </a:p>
         </p:txBody>
@@ -3806,52 +3977,73 @@
           <a:lstStyle/>
           <a:p>
             <a:r>
-              <a:rPr lang="nl-NL" dirty="0"/>
+              <a:rPr lang="nl-NL" dirty="0">
+                <a:solidFill>
+                  <a:srgbClr val="003373"/>
+                </a:solidFill>
+              </a:rPr>
               <a:t>S = p*10000 - (t*20 + min/10)</a:t>
             </a:r>
           </a:p>
           <a:p>
             <a:pPr lvl="1"/>
             <a:r>
-              <a:rPr lang="nl-NL" dirty="0"/>
-              <a:t>P = percentage bereden </a:t>
-            </a:r>
-            <a:r>
-              <a:rPr lang="nl-NL" dirty="0" err="1"/>
-              <a:t>kritike</a:t>
-            </a:r>
-            <a:r>
-              <a:rPr lang="nl-NL" dirty="0"/>
-              <a:t> verbindingen</a:t>
+              <a:rPr lang="nl-NL" dirty="0">
+                <a:solidFill>
+                  <a:srgbClr val="003373"/>
+                </a:solidFill>
+              </a:rPr>
+              <a:t>P = percentage bereden kritieke verbindingen</a:t>
             </a:r>
           </a:p>
           <a:p>
             <a:pPr lvl="1"/>
             <a:r>
-              <a:rPr lang="nl-NL" dirty="0"/>
+              <a:rPr lang="nl-NL" dirty="0">
+                <a:solidFill>
+                  <a:srgbClr val="003373"/>
+                </a:solidFill>
+              </a:rPr>
               <a:t>T = aantal treinen </a:t>
             </a:r>
           </a:p>
           <a:p>
             <a:pPr lvl="1"/>
             <a:r>
-              <a:rPr lang="nl-NL" dirty="0"/>
-              <a:t>Min = </a:t>
-            </a:r>
-            <a:r>
-              <a:rPr lang="nl-NL" dirty="0" err="1"/>
-              <a:t>aantaal</a:t>
-            </a:r>
-            <a:r>
-              <a:rPr lang="nl-NL" dirty="0"/>
-              <a:t> door alle treinen gereden minuten</a:t>
+              <a:rPr lang="nl-NL" dirty="0">
+                <a:solidFill>
+                  <a:srgbClr val="003373"/>
+                </a:solidFill>
+              </a:rPr>
+              <a:t>Min = aantal door alle treinen gereden minuten</a:t>
+            </a:r>
+          </a:p>
+          <a:p>
+            <a:endParaRPr lang="nl-NL" dirty="0">
+              <a:solidFill>
+                <a:srgbClr val="003373"/>
+              </a:solidFill>
+            </a:endParaRPr>
+          </a:p>
+          <a:p>
+            <a:r>
+              <a:rPr lang="nl-NL" sz="2400" dirty="0">
+                <a:solidFill>
+                  <a:srgbClr val="003373"/>
+                </a:solidFill>
+              </a:rPr>
+              <a:t>Opvallend: extra trein weegt zwaar</a:t>
             </a:r>
           </a:p>
           <a:p>
             <a:pPr marL="457200" lvl="1" indent="0">
               <a:buNone/>
             </a:pPr>
-            <a:endParaRPr lang="nl-NL"/>
+            <a:endParaRPr lang="nl-NL" dirty="0">
+              <a:solidFill>
+                <a:srgbClr val="003373"/>
+              </a:solidFill>
+            </a:endParaRPr>
           </a:p>
         </p:txBody>
       </p:sp>
@@ -3887,6 +4079,177 @@
       </p:grpSpPr>
       <p:sp>
         <p:nvSpPr>
+          <p:cNvPr id="2" name="Title 1">
+            <a:extLst>
+              <a:ext uri="{FF2B5EF4-FFF2-40B4-BE49-F238E27FC236}">
+                <a16:creationId xmlns:a16="http://schemas.microsoft.com/office/drawing/2014/main" id="{309B9909-1A57-4051-9D10-AC5462CC8930}"/>
+              </a:ext>
+            </a:extLst>
+          </p:cNvPr>
+          <p:cNvSpPr>
+            <a:spLocks noGrp="1"/>
+          </p:cNvSpPr>
+          <p:nvPr>
+            <p:ph type="title"/>
+          </p:nvPr>
+        </p:nvSpPr>
+        <p:spPr>
+          <a:xfrm>
+            <a:off x="838200" y="512870"/>
+            <a:ext cx="10515600" cy="1325563"/>
+          </a:xfrm>
+        </p:spPr>
+        <p:txBody>
+          <a:bodyPr/>
+          <a:lstStyle/>
+          <a:p>
+            <a:r>
+              <a:rPr lang="en-GB" dirty="0" err="1">
+                <a:solidFill>
+                  <a:srgbClr val="003373"/>
+                </a:solidFill>
+              </a:rPr>
+              <a:t>Deel</a:t>
+            </a:r>
+            <a:r>
+              <a:rPr lang="en-GB" dirty="0">
+                <a:solidFill>
+                  <a:srgbClr val="003373"/>
+                </a:solidFill>
+              </a:rPr>
+              <a:t> II: Nederland</a:t>
+            </a:r>
+            <a:endParaRPr lang="en-NL" dirty="0">
+              <a:solidFill>
+                <a:srgbClr val="003373"/>
+              </a:solidFill>
+            </a:endParaRPr>
+          </a:p>
+        </p:txBody>
+      </p:sp>
+      <p:sp>
+        <p:nvSpPr>
+          <p:cNvPr id="3" name="Content Placeholder 2">
+            <a:extLst>
+              <a:ext uri="{FF2B5EF4-FFF2-40B4-BE49-F238E27FC236}">
+                <a16:creationId xmlns:a16="http://schemas.microsoft.com/office/drawing/2014/main" id="{4ACC87B7-7D85-4FE5-B223-4205CE3A628D}"/>
+              </a:ext>
+            </a:extLst>
+          </p:cNvPr>
+          <p:cNvSpPr>
+            <a:spLocks noGrp="1"/>
+          </p:cNvSpPr>
+          <p:nvPr>
+            <p:ph idx="1"/>
+          </p:nvPr>
+        </p:nvSpPr>
+        <p:spPr/>
+        <p:txBody>
+          <a:bodyPr/>
+          <a:lstStyle/>
+          <a:p>
+            <a:endParaRPr lang="en-GB" dirty="0">
+              <a:solidFill>
+                <a:srgbClr val="003373"/>
+              </a:solidFill>
+            </a:endParaRPr>
+          </a:p>
+          <a:p>
+            <a:endParaRPr lang="en-GB" dirty="0">
+              <a:solidFill>
+                <a:srgbClr val="003373"/>
+              </a:solidFill>
+            </a:endParaRPr>
+          </a:p>
+          <a:p>
+            <a:endParaRPr lang="en-GB" dirty="0">
+              <a:solidFill>
+                <a:srgbClr val="003373"/>
+              </a:solidFill>
+            </a:endParaRPr>
+          </a:p>
+          <a:p>
+            <a:r>
+              <a:rPr lang="en-GB" dirty="0" err="1">
+                <a:solidFill>
+                  <a:srgbClr val="003373"/>
+                </a:solidFill>
+              </a:rPr>
+              <a:t>Zelfde</a:t>
+            </a:r>
+            <a:r>
+              <a:rPr lang="en-GB" dirty="0">
+                <a:solidFill>
+                  <a:srgbClr val="003373"/>
+                </a:solidFill>
+              </a:rPr>
+              <a:t> </a:t>
+            </a:r>
+            <a:r>
+              <a:rPr lang="en-GB" dirty="0" err="1">
+                <a:solidFill>
+                  <a:srgbClr val="003373"/>
+                </a:solidFill>
+              </a:rPr>
+              <a:t>opdracht</a:t>
+            </a:r>
+            <a:r>
+              <a:rPr lang="en-GB" dirty="0">
+                <a:solidFill>
+                  <a:srgbClr val="003373"/>
+                </a:solidFill>
+              </a:rPr>
+              <a:t>! </a:t>
+            </a:r>
+            <a:r>
+              <a:rPr lang="en-GB" dirty="0">
+                <a:solidFill>
+                  <a:srgbClr val="003373"/>
+                </a:solidFill>
+                <a:sym typeface="Wingdings" panose="05000000000000000000" pitchFamily="2" charset="2"/>
+              </a:rPr>
+              <a:t></a:t>
+            </a:r>
+            <a:endParaRPr lang="en-NL" dirty="0">
+              <a:solidFill>
+                <a:srgbClr val="003373"/>
+              </a:solidFill>
+            </a:endParaRPr>
+          </a:p>
+        </p:txBody>
+      </p:sp>
+    </p:spTree>
+    <p:extLst>
+      <p:ext uri="{BB962C8B-B14F-4D97-AF65-F5344CB8AC3E}">
+        <p14:creationId xmlns:p14="http://schemas.microsoft.com/office/powerpoint/2010/main" val="2082967756"/>
+      </p:ext>
+    </p:extLst>
+  </p:cSld>
+  <p:clrMapOvr>
+    <a:masterClrMapping/>
+  </p:clrMapOvr>
+</p:sld>
+</file>
+
+<file path=ppt/slides/slide7.xml><?xml version="1.0" encoding="utf-8"?>
+<p:sld xmlns:a="http://schemas.openxmlformats.org/drawingml/2006/main" xmlns:r="http://schemas.openxmlformats.org/officeDocument/2006/relationships" xmlns:p="http://schemas.openxmlformats.org/presentationml/2006/main">
+  <p:cSld>
+    <p:spTree>
+      <p:nvGrpSpPr>
+        <p:cNvPr id="1" name=""/>
+        <p:cNvGrpSpPr/>
+        <p:nvPr/>
+      </p:nvGrpSpPr>
+      <p:grpSpPr>
+        <a:xfrm>
+          <a:off x="0" y="0"/>
+          <a:ext cx="0" cy="0"/>
+          <a:chOff x="0" y="0"/>
+          <a:chExt cx="0" cy="0"/>
+        </a:xfrm>
+      </p:grpSpPr>
+      <p:sp>
+        <p:nvSpPr>
           <p:cNvPr id="2" name="Titel 1">
             <a:extLst>
               <a:ext uri="{FF2B5EF4-FFF2-40B4-BE49-F238E27FC236}">
@@ -3907,8 +4270,12 @@
           <a:lstStyle/>
           <a:p>
             <a:r>
-              <a:rPr lang="nl-NL" dirty="0"/>
-              <a:t>Datastructuren (initieel idee)</a:t>
+              <a:rPr lang="nl-NL" dirty="0">
+                <a:solidFill>
+                  <a:srgbClr val="003373"/>
+                </a:solidFill>
+              </a:rPr>
+              <a:t>Datastructuren</a:t>
             </a:r>
           </a:p>
         </p:txBody>
@@ -3935,54 +4302,86 @@
           <a:lstStyle/>
           <a:p>
             <a:r>
-              <a:rPr lang="nl-NL" dirty="0"/>
+              <a:rPr lang="nl-NL" dirty="0">
+                <a:solidFill>
+                  <a:srgbClr val="003373"/>
+                </a:solidFill>
+              </a:rPr>
               <a:t>Station:</a:t>
             </a:r>
           </a:p>
           <a:p>
             <a:pPr lvl="1"/>
             <a:r>
-              <a:rPr lang="nl-NL" dirty="0"/>
+              <a:rPr lang="nl-NL" dirty="0">
+                <a:solidFill>
+                  <a:srgbClr val="003373"/>
+                </a:solidFill>
+              </a:rPr>
               <a:t>x-y coördinaten</a:t>
             </a:r>
           </a:p>
           <a:p>
             <a:pPr lvl="1"/>
             <a:r>
-              <a:rPr lang="nl-NL" dirty="0"/>
+              <a:rPr lang="nl-NL" dirty="0">
+                <a:solidFill>
+                  <a:srgbClr val="003373"/>
+                </a:solidFill>
+              </a:rPr>
               <a:t>Naam</a:t>
             </a:r>
           </a:p>
           <a:p>
             <a:pPr lvl="1"/>
             <a:r>
-              <a:rPr lang="nl-NL" dirty="0"/>
+              <a:rPr lang="nl-NL" dirty="0">
+                <a:solidFill>
+                  <a:srgbClr val="003373"/>
+                </a:solidFill>
+              </a:rPr>
               <a:t>Kritiek of niet</a:t>
             </a:r>
           </a:p>
           <a:p>
             <a:r>
-              <a:rPr lang="nl-NL" dirty="0"/>
+              <a:rPr lang="nl-NL" dirty="0">
+                <a:solidFill>
+                  <a:srgbClr val="003373"/>
+                </a:solidFill>
+              </a:rPr>
               <a:t>Traject:</a:t>
             </a:r>
           </a:p>
           <a:p>
             <a:pPr lvl="1"/>
             <a:r>
-              <a:rPr lang="nl-NL" dirty="0"/>
+              <a:rPr lang="nl-NL" dirty="0">
+                <a:solidFill>
+                  <a:srgbClr val="003373"/>
+                </a:solidFill>
+              </a:rPr>
               <a:t>Begin en eindstation</a:t>
             </a:r>
           </a:p>
           <a:p>
             <a:pPr lvl="1"/>
             <a:r>
-              <a:rPr lang="nl-NL" dirty="0"/>
+              <a:rPr lang="nl-NL" dirty="0">
+                <a:solidFill>
+                  <a:srgbClr val="003373"/>
+                </a:solidFill>
+              </a:rPr>
               <a:t>Tijd </a:t>
             </a:r>
           </a:p>
           <a:p>
             <a:pPr lvl="1"/>
-            <a:endParaRPr lang="nl-NL" dirty="0"/>
+            <a:endParaRPr lang="nl-NL" dirty="0">
+              <a:solidFill>
+                <a:srgbClr val="003373"/>
+              </a:solidFill>
+            </a:endParaRPr>
           </a:p>
         </p:txBody>
       </p:sp>
@@ -3990,6 +4389,90 @@
     <p:extLst>
       <p:ext uri="{BB962C8B-B14F-4D97-AF65-F5344CB8AC3E}">
         <p14:creationId xmlns:p14="http://schemas.microsoft.com/office/powerpoint/2010/main" val="1304512498"/>
+      </p:ext>
+    </p:extLst>
+  </p:cSld>
+  <p:clrMapOvr>
+    <a:masterClrMapping/>
+  </p:clrMapOvr>
+</p:sld>
+</file>
+
+<file path=ppt/slides/slide8.xml><?xml version="1.0" encoding="utf-8"?>
+<p:sld xmlns:a="http://schemas.openxmlformats.org/drawingml/2006/main" xmlns:r="http://schemas.openxmlformats.org/officeDocument/2006/relationships" xmlns:p="http://schemas.openxmlformats.org/presentationml/2006/main">
+  <p:cSld>
+    <p:spTree>
+      <p:nvGrpSpPr>
+        <p:cNvPr id="1" name=""/>
+        <p:cNvGrpSpPr/>
+        <p:nvPr/>
+      </p:nvGrpSpPr>
+      <p:grpSpPr>
+        <a:xfrm>
+          <a:off x="0" y="0"/>
+          <a:ext cx="0" cy="0"/>
+          <a:chOff x="0" y="0"/>
+          <a:chExt cx="0" cy="0"/>
+        </a:xfrm>
+      </p:grpSpPr>
+      <p:sp>
+        <p:nvSpPr>
+          <p:cNvPr id="2" name="Title 1">
+            <a:extLst>
+              <a:ext uri="{FF2B5EF4-FFF2-40B4-BE49-F238E27FC236}">
+                <a16:creationId xmlns:a16="http://schemas.microsoft.com/office/drawing/2014/main" id="{967FAC6C-431E-4881-B8CC-7E621B88B0B6}"/>
+              </a:ext>
+            </a:extLst>
+          </p:cNvPr>
+          <p:cNvSpPr>
+            <a:spLocks noGrp="1"/>
+          </p:cNvSpPr>
+          <p:nvPr>
+            <p:ph type="title"/>
+          </p:nvPr>
+        </p:nvSpPr>
+        <p:spPr/>
+        <p:txBody>
+          <a:bodyPr/>
+          <a:lstStyle/>
+          <a:p>
+            <a:endParaRPr lang="en-NL" dirty="0"/>
+          </a:p>
+        </p:txBody>
+      </p:sp>
+      <p:pic>
+        <p:nvPicPr>
+          <p:cNvPr id="5" name="Content Placeholder 4">
+            <a:extLst>
+              <a:ext uri="{FF2B5EF4-FFF2-40B4-BE49-F238E27FC236}">
+                <a16:creationId xmlns:a16="http://schemas.microsoft.com/office/drawing/2014/main" id="{90DE5F36-3C35-4B75-9316-B36F2EBBC7A9}"/>
+              </a:ext>
+            </a:extLst>
+          </p:cNvPr>
+          <p:cNvPicPr>
+            <a:picLocks noGrp="1" noChangeAspect="1"/>
+          </p:cNvPicPr>
+          <p:nvPr>
+            <p:ph idx="1"/>
+          </p:nvPr>
+        </p:nvPicPr>
+        <p:blipFill>
+          <a:blip r:embed="rId2"/>
+          <a:stretch>
+            <a:fillRect/>
+          </a:stretch>
+        </p:blipFill>
+        <p:spPr>
+          <a:xfrm>
+            <a:off x="-538260" y="-175490"/>
+            <a:ext cx="12809737" cy="7114742"/>
+          </a:xfrm>
+        </p:spPr>
+      </p:pic>
+    </p:spTree>
+    <p:extLst>
+      <p:ext uri="{BB962C8B-B14F-4D97-AF65-F5344CB8AC3E}">
+        <p14:creationId xmlns:p14="http://schemas.microsoft.com/office/powerpoint/2010/main" val="2108487614"/>
       </p:ext>
     </p:extLst>
   </p:cSld>

--- a/Presentaties/Presentatie1.pptx
+++ b/Presentaties/Presentatie1.pptx
@@ -11,8 +11,9 @@
     <p:sldId id="258" r:id="rId5"/>
     <p:sldId id="261" r:id="rId6"/>
     <p:sldId id="263" r:id="rId7"/>
-    <p:sldId id="259" r:id="rId8"/>
-    <p:sldId id="264" r:id="rId9"/>
+    <p:sldId id="265" r:id="rId8"/>
+    <p:sldId id="259" r:id="rId9"/>
+    <p:sldId id="264" r:id="rId10"/>
   </p:sldIdLst>
   <p:sldSz cx="12192000" cy="6858000"/>
   <p:notesSz cx="6858000" cy="9144000"/>
@@ -266,7 +267,7 @@
           <a:p>
             <a:fld id="{E92B3C40-B484-0D46-853A-9C0741DAF408}" type="datetimeFigureOut">
               <a:rPr lang="nl-NL" smtClean="0"/>
-              <a:t>12-4-2018</a:t>
+              <a:t>13-04-18</a:t>
             </a:fld>
             <a:endParaRPr lang="nl-NL"/>
           </a:p>
@@ -320,7 +321,7 @@
           <a:p>
             <a:fld id="{AB3BB265-F72C-1B49-9C1B-7F56930A25E3}" type="slidenum">
               <a:rPr lang="nl-NL" smtClean="0"/>
-              <a:t>‹#›</a:t>
+              <a:t>‹nr.›</a:t>
             </a:fld>
             <a:endParaRPr lang="nl-NL"/>
           </a:p>
@@ -464,7 +465,7 @@
           <a:p>
             <a:fld id="{E92B3C40-B484-0D46-853A-9C0741DAF408}" type="datetimeFigureOut">
               <a:rPr lang="nl-NL" smtClean="0"/>
-              <a:t>12-4-2018</a:t>
+              <a:t>13-04-18</a:t>
             </a:fld>
             <a:endParaRPr lang="nl-NL"/>
           </a:p>
@@ -518,7 +519,7 @@
           <a:p>
             <a:fld id="{AB3BB265-F72C-1B49-9C1B-7F56930A25E3}" type="slidenum">
               <a:rPr lang="nl-NL" smtClean="0"/>
-              <a:t>‹#›</a:t>
+              <a:t>‹nr.›</a:t>
             </a:fld>
             <a:endParaRPr lang="nl-NL"/>
           </a:p>
@@ -672,7 +673,7 @@
           <a:p>
             <a:fld id="{E92B3C40-B484-0D46-853A-9C0741DAF408}" type="datetimeFigureOut">
               <a:rPr lang="nl-NL" smtClean="0"/>
-              <a:t>12-4-2018</a:t>
+              <a:t>13-04-18</a:t>
             </a:fld>
             <a:endParaRPr lang="nl-NL"/>
           </a:p>
@@ -726,7 +727,7 @@
           <a:p>
             <a:fld id="{AB3BB265-F72C-1B49-9C1B-7F56930A25E3}" type="slidenum">
               <a:rPr lang="nl-NL" smtClean="0"/>
-              <a:t>‹#›</a:t>
+              <a:t>‹nr.›</a:t>
             </a:fld>
             <a:endParaRPr lang="nl-NL"/>
           </a:p>
@@ -870,7 +871,7 @@
           <a:p>
             <a:fld id="{E92B3C40-B484-0D46-853A-9C0741DAF408}" type="datetimeFigureOut">
               <a:rPr lang="nl-NL" smtClean="0"/>
-              <a:t>12-4-2018</a:t>
+              <a:t>13-04-18</a:t>
             </a:fld>
             <a:endParaRPr lang="nl-NL"/>
           </a:p>
@@ -924,7 +925,7 @@
           <a:p>
             <a:fld id="{AB3BB265-F72C-1B49-9C1B-7F56930A25E3}" type="slidenum">
               <a:rPr lang="nl-NL" smtClean="0"/>
-              <a:t>‹#›</a:t>
+              <a:t>‹nr.›</a:t>
             </a:fld>
             <a:endParaRPr lang="nl-NL"/>
           </a:p>
@@ -1145,7 +1146,7 @@
           <a:p>
             <a:fld id="{E92B3C40-B484-0D46-853A-9C0741DAF408}" type="datetimeFigureOut">
               <a:rPr lang="nl-NL" smtClean="0"/>
-              <a:t>12-4-2018</a:t>
+              <a:t>13-04-18</a:t>
             </a:fld>
             <a:endParaRPr lang="nl-NL"/>
           </a:p>
@@ -1199,7 +1200,7 @@
           <a:p>
             <a:fld id="{AB3BB265-F72C-1B49-9C1B-7F56930A25E3}" type="slidenum">
               <a:rPr lang="nl-NL" smtClean="0"/>
-              <a:t>‹#›</a:t>
+              <a:t>‹nr.›</a:t>
             </a:fld>
             <a:endParaRPr lang="nl-NL"/>
           </a:p>
@@ -1410,7 +1411,7 @@
           <a:p>
             <a:fld id="{E92B3C40-B484-0D46-853A-9C0741DAF408}" type="datetimeFigureOut">
               <a:rPr lang="nl-NL" smtClean="0"/>
-              <a:t>12-4-2018</a:t>
+              <a:t>13-04-18</a:t>
             </a:fld>
             <a:endParaRPr lang="nl-NL"/>
           </a:p>
@@ -1464,7 +1465,7 @@
           <a:p>
             <a:fld id="{AB3BB265-F72C-1B49-9C1B-7F56930A25E3}" type="slidenum">
               <a:rPr lang="nl-NL" smtClean="0"/>
-              <a:t>‹#›</a:t>
+              <a:t>‹nr.›</a:t>
             </a:fld>
             <a:endParaRPr lang="nl-NL"/>
           </a:p>
@@ -1822,7 +1823,7 @@
           <a:p>
             <a:fld id="{E92B3C40-B484-0D46-853A-9C0741DAF408}" type="datetimeFigureOut">
               <a:rPr lang="nl-NL" smtClean="0"/>
-              <a:t>12-4-2018</a:t>
+              <a:t>13-04-18</a:t>
             </a:fld>
             <a:endParaRPr lang="nl-NL"/>
           </a:p>
@@ -1876,7 +1877,7 @@
           <a:p>
             <a:fld id="{AB3BB265-F72C-1B49-9C1B-7F56930A25E3}" type="slidenum">
               <a:rPr lang="nl-NL" smtClean="0"/>
-              <a:t>‹#›</a:t>
+              <a:t>‹nr.›</a:t>
             </a:fld>
             <a:endParaRPr lang="nl-NL"/>
           </a:p>
@@ -1963,7 +1964,7 @@
           <a:p>
             <a:fld id="{E92B3C40-B484-0D46-853A-9C0741DAF408}" type="datetimeFigureOut">
               <a:rPr lang="nl-NL" smtClean="0"/>
-              <a:t>12-4-2018</a:t>
+              <a:t>13-04-18</a:t>
             </a:fld>
             <a:endParaRPr lang="nl-NL"/>
           </a:p>
@@ -2017,7 +2018,7 @@
           <a:p>
             <a:fld id="{AB3BB265-F72C-1B49-9C1B-7F56930A25E3}" type="slidenum">
               <a:rPr lang="nl-NL" smtClean="0"/>
-              <a:t>‹#›</a:t>
+              <a:t>‹nr.›</a:t>
             </a:fld>
             <a:endParaRPr lang="nl-NL"/>
           </a:p>
@@ -2076,7 +2077,7 @@
           <a:p>
             <a:fld id="{E92B3C40-B484-0D46-853A-9C0741DAF408}" type="datetimeFigureOut">
               <a:rPr lang="nl-NL" smtClean="0"/>
-              <a:t>12-4-2018</a:t>
+              <a:t>13-04-18</a:t>
             </a:fld>
             <a:endParaRPr lang="nl-NL"/>
           </a:p>
@@ -2130,7 +2131,7 @@
           <a:p>
             <a:fld id="{AB3BB265-F72C-1B49-9C1B-7F56930A25E3}" type="slidenum">
               <a:rPr lang="nl-NL" smtClean="0"/>
-              <a:t>‹#›</a:t>
+              <a:t>‹nr.›</a:t>
             </a:fld>
             <a:endParaRPr lang="nl-NL"/>
           </a:p>
@@ -2387,7 +2388,7 @@
           <a:p>
             <a:fld id="{E92B3C40-B484-0D46-853A-9C0741DAF408}" type="datetimeFigureOut">
               <a:rPr lang="nl-NL" smtClean="0"/>
-              <a:t>12-4-2018</a:t>
+              <a:t>13-04-18</a:t>
             </a:fld>
             <a:endParaRPr lang="nl-NL"/>
           </a:p>
@@ -2441,7 +2442,7 @@
           <a:p>
             <a:fld id="{AB3BB265-F72C-1B49-9C1B-7F56930A25E3}" type="slidenum">
               <a:rPr lang="nl-NL" smtClean="0"/>
-              <a:t>‹#›</a:t>
+              <a:t>‹nr.›</a:t>
             </a:fld>
             <a:endParaRPr lang="nl-NL"/>
           </a:p>
@@ -2675,7 +2676,7 @@
           <a:p>
             <a:fld id="{E92B3C40-B484-0D46-853A-9C0741DAF408}" type="datetimeFigureOut">
               <a:rPr lang="nl-NL" smtClean="0"/>
-              <a:t>12-4-2018</a:t>
+              <a:t>13-04-18</a:t>
             </a:fld>
             <a:endParaRPr lang="nl-NL"/>
           </a:p>
@@ -2729,7 +2730,7 @@
           <a:p>
             <a:fld id="{AB3BB265-F72C-1B49-9C1B-7F56930A25E3}" type="slidenum">
               <a:rPr lang="nl-NL" smtClean="0"/>
-              <a:t>‹#›</a:t>
+              <a:t>‹nr.›</a:t>
             </a:fld>
             <a:endParaRPr lang="nl-NL"/>
           </a:p>
@@ -2925,7 +2926,7 @@
           <a:p>
             <a:fld id="{E92B3C40-B484-0D46-853A-9C0741DAF408}" type="datetimeFigureOut">
               <a:rPr lang="nl-NL" smtClean="0"/>
-              <a:t>12-4-2018</a:t>
+              <a:t>13-04-18</a:t>
             </a:fld>
             <a:endParaRPr lang="nl-NL"/>
           </a:p>
@@ -3015,7 +3016,7 @@
           <a:p>
             <a:fld id="{AB3BB265-F72C-1B49-9C1B-7F56930A25E3}" type="slidenum">
               <a:rPr lang="nl-NL" smtClean="0"/>
-              <a:t>‹#›</a:t>
+              <a:t>‹nr.›</a:t>
             </a:fld>
             <a:endParaRPr lang="nl-NL"/>
           </a:p>
@@ -3521,18 +3522,13 @@
           </a:p>
           <a:p>
             <a:r>
-              <a:rPr lang="en-GB" dirty="0" err="1">
+              <a:rPr lang="en-GB" dirty="0">
                 <a:solidFill>
                   <a:srgbClr val="003373"/>
                 </a:solidFill>
               </a:rPr>
-              <a:t>Noordholland</a:t>
-            </a:r>
-            <a:endParaRPr lang="en-GB" dirty="0">
-              <a:solidFill>
-                <a:srgbClr val="003373"/>
-              </a:solidFill>
-            </a:endParaRPr>
+              <a:t>Holland</a:t>
+            </a:r>
           </a:p>
           <a:p>
             <a:r>
@@ -3844,7 +3840,7 @@
                   <a:srgbClr val="003373"/>
                 </a:solidFill>
               </a:rPr>
-              <a:t>118 stations in Noord-Holland</a:t>
+              <a:t>118 stations in Noord- en Zuid-Holland</a:t>
             </a:r>
           </a:p>
           <a:p>
@@ -4253,6 +4249,114 @@
           <p:cNvPr id="2" name="Titel 1">
             <a:extLst>
               <a:ext uri="{FF2B5EF4-FFF2-40B4-BE49-F238E27FC236}">
+                <a16:creationId xmlns:a16="http://schemas.microsoft.com/office/drawing/2014/main" id="{167861D1-5651-DE49-9909-B921978E2C35}"/>
+              </a:ext>
+            </a:extLst>
+          </p:cNvPr>
+          <p:cNvSpPr>
+            <a:spLocks noGrp="1"/>
+          </p:cNvSpPr>
+          <p:nvPr>
+            <p:ph type="title"/>
+          </p:nvPr>
+        </p:nvSpPr>
+        <p:spPr/>
+        <p:txBody>
+          <a:bodyPr/>
+          <a:lstStyle/>
+          <a:p>
+            <a:r>
+              <a:rPr lang="en-GB">
+                <a:solidFill>
+                  <a:srgbClr val="003373"/>
+                </a:solidFill>
+              </a:rPr>
+              <a:t>Plan </a:t>
+            </a:r>
+            <a:r>
+              <a:rPr lang="en-GB" dirty="0">
+                <a:solidFill>
+                  <a:srgbClr val="003373"/>
+                </a:solidFill>
+              </a:rPr>
+              <a:t>van </a:t>
+            </a:r>
+            <a:r>
+              <a:rPr lang="en-GB" dirty="0" err="1">
+                <a:solidFill>
+                  <a:srgbClr val="003373"/>
+                </a:solidFill>
+              </a:rPr>
+              <a:t>aanapk</a:t>
+            </a:r>
+            <a:endParaRPr lang="nl-NL" dirty="0">
+              <a:solidFill>
+                <a:srgbClr val="003373"/>
+              </a:solidFill>
+            </a:endParaRPr>
+          </a:p>
+        </p:txBody>
+      </p:sp>
+      <p:sp>
+        <p:nvSpPr>
+          <p:cNvPr id="3" name="Tijdelijke aanduiding voor inhoud 2">
+            <a:extLst>
+              <a:ext uri="{FF2B5EF4-FFF2-40B4-BE49-F238E27FC236}">
+                <a16:creationId xmlns:a16="http://schemas.microsoft.com/office/drawing/2014/main" id="{CB8D326B-0950-A348-BBF6-9B52256BF70E}"/>
+              </a:ext>
+            </a:extLst>
+          </p:cNvPr>
+          <p:cNvSpPr>
+            <a:spLocks noGrp="1"/>
+          </p:cNvSpPr>
+          <p:nvPr>
+            <p:ph idx="1"/>
+          </p:nvPr>
+        </p:nvSpPr>
+        <p:spPr/>
+        <p:txBody>
+          <a:bodyPr/>
+          <a:lstStyle/>
+          <a:p>
+            <a:endParaRPr lang="nl-NL"/>
+          </a:p>
+        </p:txBody>
+      </p:sp>
+    </p:spTree>
+    <p:extLst>
+      <p:ext uri="{BB962C8B-B14F-4D97-AF65-F5344CB8AC3E}">
+        <p14:creationId xmlns:p14="http://schemas.microsoft.com/office/powerpoint/2010/main" val="1499142686"/>
+      </p:ext>
+    </p:extLst>
+  </p:cSld>
+  <p:clrMapOvr>
+    <a:masterClrMapping/>
+  </p:clrMapOvr>
+</p:sld>
+</file>
+
+<file path=ppt/slides/slide8.xml><?xml version="1.0" encoding="utf-8"?>
+<p:sld xmlns:a="http://schemas.openxmlformats.org/drawingml/2006/main" xmlns:r="http://schemas.openxmlformats.org/officeDocument/2006/relationships" xmlns:p="http://schemas.openxmlformats.org/presentationml/2006/main">
+  <p:cSld>
+    <p:spTree>
+      <p:nvGrpSpPr>
+        <p:cNvPr id="1" name=""/>
+        <p:cNvGrpSpPr/>
+        <p:nvPr/>
+      </p:nvGrpSpPr>
+      <p:grpSpPr>
+        <a:xfrm>
+          <a:off x="0" y="0"/>
+          <a:ext cx="0" cy="0"/>
+          <a:chOff x="0" y="0"/>
+          <a:chExt cx="0" cy="0"/>
+        </a:xfrm>
+      </p:grpSpPr>
+      <p:sp>
+        <p:nvSpPr>
+          <p:cNvPr id="2" name="Titel 1">
+            <a:extLst>
+              <a:ext uri="{FF2B5EF4-FFF2-40B4-BE49-F238E27FC236}">
                 <a16:creationId xmlns:a16="http://schemas.microsoft.com/office/drawing/2014/main" id="{96D0F348-9EF6-AE43-9922-8E1667081593}"/>
               </a:ext>
             </a:extLst>
@@ -4398,7 +4502,7 @@
 </p:sld>
 </file>
 
-<file path=ppt/slides/slide8.xml><?xml version="1.0" encoding="utf-8"?>
+<file path=ppt/slides/slide9.xml><?xml version="1.0" encoding="utf-8"?>
 <p:sld xmlns:a="http://schemas.openxmlformats.org/drawingml/2006/main" xmlns:r="http://schemas.openxmlformats.org/officeDocument/2006/relationships" xmlns:p="http://schemas.openxmlformats.org/presentationml/2006/main">
   <p:cSld>
     <p:spTree>

--- a/Presentaties/Presentatie1.pptx
+++ b/Presentaties/Presentatie1.pptx
@@ -10,8 +10,8 @@
     <p:sldId id="257" r:id="rId4"/>
     <p:sldId id="258" r:id="rId5"/>
     <p:sldId id="261" r:id="rId6"/>
-    <p:sldId id="263" r:id="rId7"/>
-    <p:sldId id="265" r:id="rId8"/>
+    <p:sldId id="265" r:id="rId7"/>
+    <p:sldId id="263" r:id="rId8"/>
     <p:sldId id="259" r:id="rId9"/>
     <p:sldId id="264" r:id="rId10"/>
   </p:sldIdLst>
@@ -3871,21 +3871,14 @@
             </a:endParaRPr>
           </a:p>
           <a:p>
+            <a:pPr marL="0" indent="0">
+              <a:buNone/>
+            </a:pPr>
             <a:endParaRPr lang="nl-NL" dirty="0">
               <a:solidFill>
                 <a:srgbClr val="003373"/>
               </a:solidFill>
             </a:endParaRPr>
-          </a:p>
-          <a:p>
-            <a:r>
-              <a:rPr lang="nl-NL" dirty="0">
-                <a:solidFill>
-                  <a:srgbClr val="003373"/>
-                </a:solidFill>
-              </a:rPr>
-              <a:t>Placeholder: visualisatie</a:t>
-            </a:r>
           </a:p>
         </p:txBody>
       </p:sp>
@@ -4075,10 +4068,10 @@
       </p:grpSpPr>
       <p:sp>
         <p:nvSpPr>
-          <p:cNvPr id="2" name="Title 1">
-            <a:extLst>
-              <a:ext uri="{FF2B5EF4-FFF2-40B4-BE49-F238E27FC236}">
-                <a16:creationId xmlns:a16="http://schemas.microsoft.com/office/drawing/2014/main" id="{309B9909-1A57-4051-9D10-AC5462CC8930}"/>
+          <p:cNvPr id="2" name="Titel 1">
+            <a:extLst>
+              <a:ext uri="{FF2B5EF4-FFF2-40B4-BE49-F238E27FC236}">
+                <a16:creationId xmlns:a16="http://schemas.microsoft.com/office/drawing/2014/main" id="{B9430C2E-0297-0E49-BEDB-2C165EE93769}"/>
               </a:ext>
             </a:extLst>
           </p:cNvPr>
@@ -4089,135 +4082,96 @@
             <p:ph type="title"/>
           </p:nvPr>
         </p:nvSpPr>
-        <p:spPr>
-          <a:xfrm>
-            <a:off x="838200" y="512870"/>
-            <a:ext cx="10515600" cy="1325563"/>
-          </a:xfrm>
-        </p:spPr>
-        <p:txBody>
-          <a:bodyPr/>
-          <a:lstStyle/>
-          <a:p>
-            <a:r>
-              <a:rPr lang="en-GB" dirty="0" err="1">
-                <a:solidFill>
-                  <a:srgbClr val="003373"/>
-                </a:solidFill>
-              </a:rPr>
-              <a:t>Deel</a:t>
-            </a:r>
-            <a:r>
-              <a:rPr lang="en-GB" dirty="0">
-                <a:solidFill>
-                  <a:srgbClr val="003373"/>
-                </a:solidFill>
-              </a:rPr>
-              <a:t> II: Nederland</a:t>
-            </a:r>
-            <a:endParaRPr lang="en-NL" dirty="0">
+        <p:spPr/>
+        <p:txBody>
+          <a:bodyPr/>
+          <a:lstStyle/>
+          <a:p>
+            <a:r>
+              <a:rPr lang="nl-NL" dirty="0">
+                <a:solidFill>
+                  <a:srgbClr val="003373"/>
+                </a:solidFill>
+              </a:rPr>
+              <a:t>Deel 1: Holland</a:t>
+            </a:r>
+            <a:endParaRPr lang="nl-NL" dirty="0"/>
+          </a:p>
+        </p:txBody>
+      </p:sp>
+      <p:sp>
+        <p:nvSpPr>
+          <p:cNvPr id="3" name="Tijdelijke aanduiding voor inhoud 2">
+            <a:extLst>
+              <a:ext uri="{FF2B5EF4-FFF2-40B4-BE49-F238E27FC236}">
+                <a16:creationId xmlns:a16="http://schemas.microsoft.com/office/drawing/2014/main" id="{5EBEA966-86C1-C245-A6B0-65B1FD8A5BFF}"/>
+              </a:ext>
+            </a:extLst>
+          </p:cNvPr>
+          <p:cNvSpPr>
+            <a:spLocks noGrp="1"/>
+          </p:cNvSpPr>
+          <p:nvPr>
+            <p:ph idx="1"/>
+          </p:nvPr>
+        </p:nvSpPr>
+        <p:spPr/>
+        <p:txBody>
+          <a:bodyPr/>
+          <a:lstStyle/>
+          <a:p>
+            <a:r>
+              <a:rPr lang="nl-NL" dirty="0">
+                <a:solidFill>
+                  <a:srgbClr val="003373"/>
+                </a:solidFill>
+              </a:rPr>
+              <a:t>a) Maak lijnvoering met kritieke stations</a:t>
+            </a:r>
+          </a:p>
+          <a:p>
+            <a:r>
+              <a:rPr lang="nl-NL" dirty="0">
+                <a:solidFill>
+                  <a:srgbClr val="003373"/>
+                </a:solidFill>
+              </a:rPr>
+              <a:t>b) Maak lijnvoering met optimale S</a:t>
+            </a:r>
+          </a:p>
+          <a:p>
+            <a:r>
+              <a:rPr lang="nl-NL" dirty="0">
+                <a:solidFill>
+                  <a:srgbClr val="003373"/>
+                </a:solidFill>
+              </a:rPr>
+              <a:t>c) Maak lijnvoering waarbij alle stations kritiek zijn</a:t>
+            </a:r>
+          </a:p>
+          <a:p>
+            <a:endParaRPr lang="nl-NL" dirty="0">
               <a:solidFill>
                 <a:srgbClr val="003373"/>
               </a:solidFill>
             </a:endParaRPr>
           </a:p>
-        </p:txBody>
-      </p:sp>
-      <p:sp>
-        <p:nvSpPr>
-          <p:cNvPr id="3" name="Content Placeholder 2">
-            <a:extLst>
-              <a:ext uri="{FF2B5EF4-FFF2-40B4-BE49-F238E27FC236}">
-                <a16:creationId xmlns:a16="http://schemas.microsoft.com/office/drawing/2014/main" id="{4ACC87B7-7D85-4FE5-B223-4205CE3A628D}"/>
-              </a:ext>
-            </a:extLst>
-          </p:cNvPr>
-          <p:cNvSpPr>
-            <a:spLocks noGrp="1"/>
-          </p:cNvSpPr>
-          <p:nvPr>
-            <p:ph idx="1"/>
-          </p:nvPr>
-        </p:nvSpPr>
-        <p:spPr/>
-        <p:txBody>
-          <a:bodyPr/>
-          <a:lstStyle/>
-          <a:p>
-            <a:endParaRPr lang="en-GB" dirty="0">
-              <a:solidFill>
-                <a:srgbClr val="003373"/>
-              </a:solidFill>
-            </a:endParaRPr>
-          </a:p>
-          <a:p>
-            <a:endParaRPr lang="en-GB" dirty="0">
-              <a:solidFill>
-                <a:srgbClr val="003373"/>
-              </a:solidFill>
-            </a:endParaRPr>
-          </a:p>
-          <a:p>
-            <a:endParaRPr lang="en-GB" dirty="0">
-              <a:solidFill>
-                <a:srgbClr val="003373"/>
-              </a:solidFill>
-            </a:endParaRPr>
-          </a:p>
-          <a:p>
-            <a:r>
-              <a:rPr lang="en-GB" dirty="0" err="1">
-                <a:solidFill>
-                  <a:srgbClr val="003373"/>
-                </a:solidFill>
-              </a:rPr>
-              <a:t>Zelfde</a:t>
-            </a:r>
-            <a:r>
-              <a:rPr lang="en-GB" dirty="0">
-                <a:solidFill>
-                  <a:srgbClr val="003373"/>
-                </a:solidFill>
-              </a:rPr>
-              <a:t> </a:t>
-            </a:r>
-            <a:r>
-              <a:rPr lang="en-GB" dirty="0" err="1">
-                <a:solidFill>
-                  <a:srgbClr val="003373"/>
-                </a:solidFill>
-              </a:rPr>
-              <a:t>opdracht</a:t>
-            </a:r>
-            <a:r>
-              <a:rPr lang="en-GB" dirty="0">
-                <a:solidFill>
-                  <a:srgbClr val="003373"/>
-                </a:solidFill>
-              </a:rPr>
-              <a:t>! </a:t>
-            </a:r>
-            <a:r>
-              <a:rPr lang="en-GB" dirty="0">
-                <a:solidFill>
-                  <a:srgbClr val="003373"/>
-                </a:solidFill>
-                <a:sym typeface="Wingdings" panose="05000000000000000000" pitchFamily="2" charset="2"/>
-              </a:rPr>
-              <a:t></a:t>
-            </a:r>
-            <a:endParaRPr lang="en-NL" dirty="0">
-              <a:solidFill>
-                <a:srgbClr val="003373"/>
-              </a:solidFill>
-            </a:endParaRPr>
+          <a:p>
+            <a:r>
+              <a:rPr lang="nl-NL" dirty="0">
+                <a:solidFill>
+                  <a:srgbClr val="003373"/>
+                </a:solidFill>
+              </a:rPr>
+              <a:t>Tijdslimiet, trajectlimiet</a:t>
+            </a:r>
           </a:p>
         </p:txBody>
       </p:sp>
     </p:spTree>
     <p:extLst>
       <p:ext uri="{BB962C8B-B14F-4D97-AF65-F5344CB8AC3E}">
-        <p14:creationId xmlns:p14="http://schemas.microsoft.com/office/powerpoint/2010/main" val="2082967756"/>
+        <p14:creationId xmlns:p14="http://schemas.microsoft.com/office/powerpoint/2010/main" val="1400428642"/>
       </p:ext>
     </p:extLst>
   </p:cSld>
@@ -4246,10 +4200,10 @@
       </p:grpSpPr>
       <p:sp>
         <p:nvSpPr>
-          <p:cNvPr id="2" name="Titel 1">
-            <a:extLst>
-              <a:ext uri="{FF2B5EF4-FFF2-40B4-BE49-F238E27FC236}">
-                <a16:creationId xmlns:a16="http://schemas.microsoft.com/office/drawing/2014/main" id="{167861D1-5651-DE49-9909-B921978E2C35}"/>
+          <p:cNvPr id="2" name="Title 1">
+            <a:extLst>
+              <a:ext uri="{FF2B5EF4-FFF2-40B4-BE49-F238E27FC236}">
+                <a16:creationId xmlns:a16="http://schemas.microsoft.com/office/drawing/2014/main" id="{309B9909-1A57-4051-9D10-AC5462CC8930}"/>
               </a:ext>
             </a:extLst>
           </p:cNvPr>
@@ -4260,18 +4214,23 @@
             <p:ph type="title"/>
           </p:nvPr>
         </p:nvSpPr>
-        <p:spPr/>
-        <p:txBody>
-          <a:bodyPr/>
-          <a:lstStyle/>
-          <a:p>
-            <a:r>
-              <a:rPr lang="en-GB">
-                <a:solidFill>
-                  <a:srgbClr val="003373"/>
-                </a:solidFill>
-              </a:rPr>
-              <a:t>Plan </a:t>
+        <p:spPr>
+          <a:xfrm>
+            <a:off x="838200" y="512870"/>
+            <a:ext cx="10515600" cy="1325563"/>
+          </a:xfrm>
+        </p:spPr>
+        <p:txBody>
+          <a:bodyPr/>
+          <a:lstStyle/>
+          <a:p>
+            <a:r>
+              <a:rPr lang="en-GB" dirty="0" err="1">
+                <a:solidFill>
+                  <a:srgbClr val="003373"/>
+                </a:solidFill>
+              </a:rPr>
+              <a:t>Deel</a:t>
             </a:r>
             <a:r>
               <a:rPr lang="en-GB" dirty="0">
@@ -4279,17 +4238,9 @@
                   <a:srgbClr val="003373"/>
                 </a:solidFill>
               </a:rPr>
-              <a:t>van </a:t>
-            </a:r>
-            <a:r>
-              <a:rPr lang="en-GB" dirty="0" err="1">
-                <a:solidFill>
-                  <a:srgbClr val="003373"/>
-                </a:solidFill>
-              </a:rPr>
-              <a:t>aanapk</a:t>
-            </a:r>
-            <a:endParaRPr lang="nl-NL" dirty="0">
+              <a:t> II: Nederland</a:t>
+            </a:r>
+            <a:endParaRPr lang="en-NL" dirty="0">
               <a:solidFill>
                 <a:srgbClr val="003373"/>
               </a:solidFill>
@@ -4299,10 +4250,10 @@
       </p:sp>
       <p:sp>
         <p:nvSpPr>
-          <p:cNvPr id="3" name="Tijdelijke aanduiding voor inhoud 2">
-            <a:extLst>
-              <a:ext uri="{FF2B5EF4-FFF2-40B4-BE49-F238E27FC236}">
-                <a16:creationId xmlns:a16="http://schemas.microsoft.com/office/drawing/2014/main" id="{CB8D326B-0950-A348-BBF6-9B52256BF70E}"/>
+          <p:cNvPr id="3" name="Content Placeholder 2">
+            <a:extLst>
+              <a:ext uri="{FF2B5EF4-FFF2-40B4-BE49-F238E27FC236}">
+                <a16:creationId xmlns:a16="http://schemas.microsoft.com/office/drawing/2014/main" id="{4ACC87B7-7D85-4FE5-B223-4205CE3A628D}"/>
               </a:ext>
             </a:extLst>
           </p:cNvPr>
@@ -4318,14 +4269,142 @@
           <a:bodyPr/>
           <a:lstStyle/>
           <a:p>
-            <a:endParaRPr lang="nl-NL"/>
+            <a:pPr marL="0" indent="0">
+              <a:buNone/>
+            </a:pPr>
+            <a:endParaRPr lang="en-GB" dirty="0">
+              <a:solidFill>
+                <a:srgbClr val="003373"/>
+              </a:solidFill>
+            </a:endParaRPr>
+          </a:p>
+          <a:p>
+            <a:r>
+              <a:rPr lang="en-GB" dirty="0" err="1">
+                <a:solidFill>
+                  <a:srgbClr val="003373"/>
+                </a:solidFill>
+              </a:rPr>
+              <a:t>Zelfde</a:t>
+            </a:r>
+            <a:r>
+              <a:rPr lang="en-GB" dirty="0">
+                <a:solidFill>
+                  <a:srgbClr val="003373"/>
+                </a:solidFill>
+              </a:rPr>
+              <a:t> </a:t>
+            </a:r>
+            <a:r>
+              <a:rPr lang="en-GB" dirty="0" err="1">
+                <a:solidFill>
+                  <a:srgbClr val="003373"/>
+                </a:solidFill>
+              </a:rPr>
+              <a:t>opdracht</a:t>
+            </a:r>
+            <a:r>
+              <a:rPr lang="en-GB" dirty="0">
+                <a:solidFill>
+                  <a:srgbClr val="003373"/>
+                </a:solidFill>
+              </a:rPr>
+              <a:t>! </a:t>
+            </a:r>
+            <a:r>
+              <a:rPr lang="en-GB" dirty="0">
+                <a:solidFill>
+                  <a:srgbClr val="003373"/>
+                </a:solidFill>
+                <a:sym typeface="Wingdings" panose="05000000000000000000" pitchFamily="2" charset="2"/>
+              </a:rPr>
+              <a:t></a:t>
+            </a:r>
+          </a:p>
+          <a:p>
+            <a:endParaRPr lang="en-GB" dirty="0">
+              <a:solidFill>
+                <a:srgbClr val="003373"/>
+              </a:solidFill>
+              <a:sym typeface="Wingdings" panose="05000000000000000000" pitchFamily="2" charset="2"/>
+            </a:endParaRPr>
+          </a:p>
+          <a:p>
+            <a:r>
+              <a:rPr lang="en-GB" dirty="0" err="1">
+                <a:solidFill>
+                  <a:srgbClr val="003373"/>
+                </a:solidFill>
+                <a:sym typeface="Wingdings" panose="05000000000000000000" pitchFamily="2" charset="2"/>
+              </a:rPr>
+              <a:t>Breder</a:t>
+            </a:r>
+            <a:r>
+              <a:rPr lang="en-GB" dirty="0">
+                <a:solidFill>
+                  <a:srgbClr val="003373"/>
+                </a:solidFill>
+                <a:sym typeface="Wingdings" panose="05000000000000000000" pitchFamily="2" charset="2"/>
+              </a:rPr>
+              <a:t> </a:t>
+            </a:r>
+            <a:r>
+              <a:rPr lang="en-GB" dirty="0" err="1">
+                <a:solidFill>
+                  <a:srgbClr val="003373"/>
+                </a:solidFill>
+                <a:sym typeface="Wingdings" panose="05000000000000000000" pitchFamily="2" charset="2"/>
+              </a:rPr>
+              <a:t>tijdsframe</a:t>
+            </a:r>
+            <a:r>
+              <a:rPr lang="en-GB" dirty="0">
+                <a:solidFill>
+                  <a:srgbClr val="003373"/>
+                </a:solidFill>
+                <a:sym typeface="Wingdings" panose="05000000000000000000" pitchFamily="2" charset="2"/>
+              </a:rPr>
+              <a:t>, </a:t>
+            </a:r>
+            <a:r>
+              <a:rPr lang="en-GB" dirty="0" err="1">
+                <a:solidFill>
+                  <a:srgbClr val="003373"/>
+                </a:solidFill>
+                <a:sym typeface="Wingdings" panose="05000000000000000000" pitchFamily="2" charset="2"/>
+              </a:rPr>
+              <a:t>meer</a:t>
+            </a:r>
+            <a:r>
+              <a:rPr lang="en-GB" dirty="0">
+                <a:solidFill>
+                  <a:srgbClr val="003373"/>
+                </a:solidFill>
+                <a:sym typeface="Wingdings" panose="05000000000000000000" pitchFamily="2" charset="2"/>
+              </a:rPr>
+              <a:t> </a:t>
+            </a:r>
+            <a:r>
+              <a:rPr lang="en-GB">
+                <a:solidFill>
+                  <a:srgbClr val="003373"/>
+                </a:solidFill>
+                <a:sym typeface="Wingdings" panose="05000000000000000000" pitchFamily="2" charset="2"/>
+              </a:rPr>
+              <a:t>trajecten</a:t>
+            </a:r>
+            <a:endParaRPr lang="en-NL" dirty="0">
+              <a:solidFill>
+                <a:srgbClr val="003373"/>
+              </a:solidFill>
+            </a:endParaRPr>
           </a:p>
         </p:txBody>
       </p:sp>
     </p:spTree>
     <p:extLst>
       <p:ext uri="{BB962C8B-B14F-4D97-AF65-F5344CB8AC3E}">
-        <p14:creationId xmlns:p14="http://schemas.microsoft.com/office/powerpoint/2010/main" val="1499142686"/>
+        <p14:creationId xmlns:p14="http://schemas.microsoft.com/office/powerpoint/2010/main" val="2082967756"/>
       </p:ext>
     </p:extLst>
   </p:cSld>

--- a/Presentaties/Presentatie1.pptx
+++ b/Presentaties/Presentatie1.pptx
@@ -321,7 +321,7 @@
           <a:p>
             <a:fld id="{AB3BB265-F72C-1B49-9C1B-7F56930A25E3}" type="slidenum">
               <a:rPr lang="nl-NL" smtClean="0"/>
-              <a:t>‹nr.›</a:t>
+              <a:t>‹#›</a:t>
             </a:fld>
             <a:endParaRPr lang="nl-NL"/>
           </a:p>
@@ -519,7 +519,7 @@
           <a:p>
             <a:fld id="{AB3BB265-F72C-1B49-9C1B-7F56930A25E3}" type="slidenum">
               <a:rPr lang="nl-NL" smtClean="0"/>
-              <a:t>‹nr.›</a:t>
+              <a:t>‹#›</a:t>
             </a:fld>
             <a:endParaRPr lang="nl-NL"/>
           </a:p>
@@ -727,7 +727,7 @@
           <a:p>
             <a:fld id="{AB3BB265-F72C-1B49-9C1B-7F56930A25E3}" type="slidenum">
               <a:rPr lang="nl-NL" smtClean="0"/>
-              <a:t>‹nr.›</a:t>
+              <a:t>‹#›</a:t>
             </a:fld>
             <a:endParaRPr lang="nl-NL"/>
           </a:p>
@@ -925,7 +925,7 @@
           <a:p>
             <a:fld id="{AB3BB265-F72C-1B49-9C1B-7F56930A25E3}" type="slidenum">
               <a:rPr lang="nl-NL" smtClean="0"/>
-              <a:t>‹nr.›</a:t>
+              <a:t>‹#›</a:t>
             </a:fld>
             <a:endParaRPr lang="nl-NL"/>
           </a:p>
@@ -1200,7 +1200,7 @@
           <a:p>
             <a:fld id="{AB3BB265-F72C-1B49-9C1B-7F56930A25E3}" type="slidenum">
               <a:rPr lang="nl-NL" smtClean="0"/>
-              <a:t>‹nr.›</a:t>
+              <a:t>‹#›</a:t>
             </a:fld>
             <a:endParaRPr lang="nl-NL"/>
           </a:p>
@@ -1465,7 +1465,7 @@
           <a:p>
             <a:fld id="{AB3BB265-F72C-1B49-9C1B-7F56930A25E3}" type="slidenum">
               <a:rPr lang="nl-NL" smtClean="0"/>
-              <a:t>‹nr.›</a:t>
+              <a:t>‹#›</a:t>
             </a:fld>
             <a:endParaRPr lang="nl-NL"/>
           </a:p>
@@ -1877,7 +1877,7 @@
           <a:p>
             <a:fld id="{AB3BB265-F72C-1B49-9C1B-7F56930A25E3}" type="slidenum">
               <a:rPr lang="nl-NL" smtClean="0"/>
-              <a:t>‹nr.›</a:t>
+              <a:t>‹#›</a:t>
             </a:fld>
             <a:endParaRPr lang="nl-NL"/>
           </a:p>
@@ -2018,7 +2018,7 @@
           <a:p>
             <a:fld id="{AB3BB265-F72C-1B49-9C1B-7F56930A25E3}" type="slidenum">
               <a:rPr lang="nl-NL" smtClean="0"/>
-              <a:t>‹nr.›</a:t>
+              <a:t>‹#›</a:t>
             </a:fld>
             <a:endParaRPr lang="nl-NL"/>
           </a:p>
@@ -2131,7 +2131,7 @@
           <a:p>
             <a:fld id="{AB3BB265-F72C-1B49-9C1B-7F56930A25E3}" type="slidenum">
               <a:rPr lang="nl-NL" smtClean="0"/>
-              <a:t>‹nr.›</a:t>
+              <a:t>‹#›</a:t>
             </a:fld>
             <a:endParaRPr lang="nl-NL"/>
           </a:p>
@@ -2442,7 +2442,7 @@
           <a:p>
             <a:fld id="{AB3BB265-F72C-1B49-9C1B-7F56930A25E3}" type="slidenum">
               <a:rPr lang="nl-NL" smtClean="0"/>
-              <a:t>‹nr.›</a:t>
+              <a:t>‹#›</a:t>
             </a:fld>
             <a:endParaRPr lang="nl-NL"/>
           </a:p>
@@ -2730,7 +2730,7 @@
           <a:p>
             <a:fld id="{AB3BB265-F72C-1B49-9C1B-7F56930A25E3}" type="slidenum">
               <a:rPr lang="nl-NL" smtClean="0"/>
-              <a:t>‹nr.›</a:t>
+              <a:t>‹#›</a:t>
             </a:fld>
             <a:endParaRPr lang="nl-NL"/>
           </a:p>
@@ -3016,7 +3016,7 @@
           <a:p>
             <a:fld id="{AB3BB265-F72C-1B49-9C1B-7F56930A25E3}" type="slidenum">
               <a:rPr lang="nl-NL" smtClean="0"/>
-              <a:t>‹nr.›</a:t>
+              <a:t>‹#›</a:t>
             </a:fld>
             <a:endParaRPr lang="nl-NL"/>
           </a:p>
@@ -3537,24 +3537,6 @@
                   <a:srgbClr val="003373"/>
                 </a:solidFill>
               </a:rPr>
-              <a:t>Visualisatie</a:t>
-            </a:r>
-            <a:r>
-              <a:rPr lang="en-GB" dirty="0">
-                <a:solidFill>
-                  <a:srgbClr val="003373"/>
-                </a:solidFill>
-              </a:rPr>
-              <a:t> Holland</a:t>
-            </a:r>
-          </a:p>
-          <a:p>
-            <a:r>
-              <a:rPr lang="en-GB" dirty="0" err="1">
-                <a:solidFill>
-                  <a:srgbClr val="003373"/>
-                </a:solidFill>
-              </a:rPr>
               <a:t>Scorefunctie</a:t>
             </a:r>
             <a:endParaRPr lang="en-GB" dirty="0">
@@ -3571,6 +3553,29 @@
                 </a:solidFill>
               </a:rPr>
               <a:t>Datastructuur</a:t>
+            </a:r>
+            <a:endParaRPr lang="en-GB" dirty="0">
+              <a:solidFill>
+                <a:srgbClr val="003373"/>
+              </a:solidFill>
+            </a:endParaRPr>
+          </a:p>
+          <a:p>
+            <a:r>
+              <a:rPr lang="en-GB" dirty="0" err="1">
+                <a:solidFill>
+                  <a:srgbClr val="003373"/>
+                </a:solidFill>
+              </a:rPr>
+              <a:t>Visualisatie</a:t>
+            </a:r>
+            <a:r>
+              <a:rPr lang="en-GB" dirty="0">
+                <a:solidFill>
+                  <a:srgbClr val="003373"/>
+                </a:solidFill>
+              </a:rPr>
+              <a:t> Holland</a:t>
             </a:r>
             <a:endParaRPr lang="en-NL" dirty="0">
               <a:solidFill>
@@ -4557,6 +4562,37 @@
               </a:rPr>
               <a:t>Tijd </a:t>
             </a:r>
+          </a:p>
+          <a:p>
+            <a:r>
+              <a:rPr lang="nl-NL" dirty="0">
+                <a:solidFill>
+                  <a:srgbClr val="003373"/>
+                </a:solidFill>
+              </a:rPr>
+              <a:t>Visualisatie: </a:t>
+            </a:r>
+            <a:r>
+              <a:rPr lang="nl-NL" dirty="0">
+                <a:solidFill>
+                  <a:srgbClr val="003373"/>
+                </a:solidFill>
+                <a:hlinkClick r:id="rId2"/>
+              </a:rPr>
+              <a:t>https://ide50-barry-de-vries123.cs50.io:8080/</a:t>
+            </a:r>
+            <a:endParaRPr lang="nl-NL" dirty="0">
+              <a:solidFill>
+                <a:srgbClr val="003373"/>
+              </a:solidFill>
+            </a:endParaRPr>
+          </a:p>
+          <a:p>
+            <a:endParaRPr lang="nl-NL" dirty="0">
+              <a:solidFill>
+                <a:srgbClr val="003373"/>
+              </a:solidFill>
+            </a:endParaRPr>
           </a:p>
           <a:p>
             <a:pPr lvl="1"/>
